--- a/PRODUCT ANALYSIS Of NON WORKING HOURS PAGE.pptx
+++ b/PRODUCT ANALYSIS Of NON WORKING HOURS PAGE.pptx
@@ -6,12 +6,13 @@
   </p:sldMasterIdLst>
   <p:sldIdLst>
     <p:sldId id="256" r:id="rId2"/>
-    <p:sldId id="257" r:id="rId3"/>
-    <p:sldId id="258" r:id="rId4"/>
-    <p:sldId id="261" r:id="rId5"/>
-    <p:sldId id="259" r:id="rId6"/>
-    <p:sldId id="262" r:id="rId7"/>
-    <p:sldId id="260" r:id="rId8"/>
+    <p:sldId id="263" r:id="rId3"/>
+    <p:sldId id="257" r:id="rId4"/>
+    <p:sldId id="258" r:id="rId5"/>
+    <p:sldId id="261" r:id="rId6"/>
+    <p:sldId id="259" r:id="rId7"/>
+    <p:sldId id="262" r:id="rId8"/>
+    <p:sldId id="260" r:id="rId9"/>
   </p:sldIdLst>
   <p:sldSz cx="12192000" cy="6858000"/>
   <p:notesSz cx="6858000" cy="9144000"/>
@@ -119,6 +120,1079 @@
 </file>
 
 <file path=ppt/charts/chart1.xml><?xml version="1.0" encoding="utf-8"?>
+<c:chartSpace xmlns:c="http://schemas.openxmlformats.org/drawingml/2006/chart" xmlns:a="http://schemas.openxmlformats.org/drawingml/2006/main" xmlns:r="http://schemas.openxmlformats.org/officeDocument/2006/relationships" xmlns:c16r2="http://schemas.microsoft.com/office/drawing/2015/06/chart">
+  <c:date1904 val="0"/>
+  <c:lang val="en-US"/>
+  <c:roundedCorners val="0"/>
+  <mc:AlternateContent xmlns:mc="http://schemas.openxmlformats.org/markup-compatibility/2006">
+    <mc:Choice xmlns:c14="http://schemas.microsoft.com/office/drawing/2007/8/2/chart" Requires="c14">
+      <c14:style val="102"/>
+    </mc:Choice>
+    <mc:Fallback>
+      <c:style val="2"/>
+    </mc:Fallback>
+  </mc:AlternateContent>
+  <c:chart>
+    <c:autoTitleDeleted val="1"/>
+    <c:plotArea>
+      <c:layout>
+        <c:manualLayout>
+          <c:layoutTarget val="inner"/>
+          <c:xMode val="edge"/>
+          <c:yMode val="edge"/>
+          <c:x val="6.9851173494617516E-2"/>
+          <c:y val="0.12268502240000662"/>
+          <c:w val="0.91082515500779793"/>
+          <c:h val="0.65540783087868604"/>
+        </c:manualLayout>
+      </c:layout>
+      <c:barChart>
+        <c:barDir val="col"/>
+        <c:grouping val="clustered"/>
+        <c:varyColors val="0"/>
+        <c:ser>
+          <c:idx val="0"/>
+          <c:order val="0"/>
+          <c:tx>
+            <c:strRef>
+              <c:f>Sheet1!$B$1</c:f>
+              <c:strCache>
+                <c:ptCount val="1"/>
+                <c:pt idx="0">
+                  <c:v>conversion_rate</c:v>
+                </c:pt>
+              </c:strCache>
+            </c:strRef>
+          </c:tx>
+          <c:spPr>
+            <a:solidFill>
+              <a:schemeClr val="accent1"/>
+            </a:solidFill>
+            <a:ln>
+              <a:noFill/>
+            </a:ln>
+            <a:effectLst/>
+          </c:spPr>
+          <c:invertIfNegative val="0"/>
+          <c:dLbls>
+            <c:spPr>
+              <a:noFill/>
+              <a:ln>
+                <a:noFill/>
+              </a:ln>
+              <a:effectLst/>
+            </c:spPr>
+            <c:txPr>
+              <a:bodyPr rot="0" spcFirstLastPara="1" vertOverflow="ellipsis" vert="horz" wrap="square" lIns="38100" tIns="19050" rIns="38100" bIns="19050" anchor="t" anchorCtr="0">
+                <a:spAutoFit/>
+              </a:bodyPr>
+              <a:lstStyle/>
+              <a:p>
+                <a:pPr>
+                  <a:defRPr sz="1197" b="0" i="0" u="none" strike="noStrike" kern="1200" baseline="0">
+                    <a:solidFill>
+                      <a:schemeClr val="tx1">
+                        <a:lumMod val="75000"/>
+                        <a:lumOff val="25000"/>
+                      </a:schemeClr>
+                    </a:solidFill>
+                    <a:latin typeface="+mn-lt"/>
+                    <a:ea typeface="+mn-ea"/>
+                    <a:cs typeface="+mn-cs"/>
+                  </a:defRPr>
+                </a:pPr>
+                <a:endParaRPr lang="en-US"/>
+              </a:p>
+            </c:txPr>
+            <c:dLblPos val="outEnd"/>
+            <c:showLegendKey val="0"/>
+            <c:showVal val="1"/>
+            <c:showCatName val="0"/>
+            <c:showSerName val="0"/>
+            <c:showPercent val="0"/>
+            <c:showBubbleSize val="0"/>
+            <c:showLeaderLines val="0"/>
+            <c:extLst>
+              <c:ext xmlns:c15="http://schemas.microsoft.com/office/drawing/2012/chart" uri="{CE6537A1-D6FC-4f65-9D91-7224C49458BB}">
+                <c15:showLeaderLines val="1"/>
+                <c15:leaderLines>
+                  <c:spPr>
+                    <a:ln w="9525" cap="flat" cmpd="sng" algn="ctr">
+                      <a:solidFill>
+                        <a:schemeClr val="tx1">
+                          <a:lumMod val="35000"/>
+                          <a:lumOff val="65000"/>
+                        </a:schemeClr>
+                      </a:solidFill>
+                      <a:round/>
+                    </a:ln>
+                    <a:effectLst/>
+                  </c:spPr>
+                </c15:leaderLines>
+              </c:ext>
+            </c:extLst>
+          </c:dLbls>
+          <c:cat>
+            <c:strRef>
+              <c:f>Sheet1!$A$2:$A$4</c:f>
+              <c:strCache>
+                <c:ptCount val="3"/>
+                <c:pt idx="0">
+                  <c:v>Variation #1</c:v>
+                </c:pt>
+                <c:pt idx="1">
+                  <c:v>Variation #2</c:v>
+                </c:pt>
+                <c:pt idx="2">
+                  <c:v>Original</c:v>
+                </c:pt>
+              </c:strCache>
+            </c:strRef>
+          </c:cat>
+          <c:val>
+            <c:numRef>
+              <c:f>Sheet1!$B$2:$B$4</c:f>
+              <c:numCache>
+                <c:formatCode>0.00%</c:formatCode>
+                <c:ptCount val="3"/>
+                <c:pt idx="0">
+                  <c:v>0.92600000000000005</c:v>
+                </c:pt>
+                <c:pt idx="1">
+                  <c:v>0.92300000000000004</c:v>
+                </c:pt>
+                <c:pt idx="2">
+                  <c:v>0.90500000000000003</c:v>
+                </c:pt>
+              </c:numCache>
+            </c:numRef>
+          </c:val>
+          <c:extLst>
+            <c:ext xmlns:c16="http://schemas.microsoft.com/office/drawing/2014/chart" uri="{C3380CC4-5D6E-409C-BE32-E72D297353CC}">
+              <c16:uniqueId val="{00000000-0BBF-4B21-99FB-12BEC630FEC1}"/>
+            </c:ext>
+          </c:extLst>
+        </c:ser>
+        <c:ser>
+          <c:idx val="1"/>
+          <c:order val="1"/>
+          <c:tx>
+            <c:strRef>
+              <c:f>Sheet1!$C$1</c:f>
+              <c:strCache>
+                <c:ptCount val="1"/>
+                <c:pt idx="0">
+                  <c:v>transaction</c:v>
+                </c:pt>
+              </c:strCache>
+            </c:strRef>
+          </c:tx>
+          <c:spPr>
+            <a:solidFill>
+              <a:schemeClr val="accent2"/>
+            </a:solidFill>
+            <a:ln>
+              <a:noFill/>
+            </a:ln>
+            <a:effectLst/>
+          </c:spPr>
+          <c:invertIfNegative val="0"/>
+          <c:dLbls>
+            <c:spPr>
+              <a:noFill/>
+              <a:ln>
+                <a:noFill/>
+              </a:ln>
+              <a:effectLst/>
+            </c:spPr>
+            <c:txPr>
+              <a:bodyPr rot="0" spcFirstLastPara="1" vertOverflow="ellipsis" vert="horz" wrap="square" lIns="38100" tIns="19050" rIns="38100" bIns="19050" anchor="ctr" anchorCtr="1">
+                <a:spAutoFit/>
+              </a:bodyPr>
+              <a:lstStyle/>
+              <a:p>
+                <a:pPr>
+                  <a:defRPr sz="1197" b="0" i="0" u="none" strike="noStrike" kern="1200" baseline="0">
+                    <a:solidFill>
+                      <a:schemeClr val="tx1">
+                        <a:lumMod val="75000"/>
+                        <a:lumOff val="25000"/>
+                      </a:schemeClr>
+                    </a:solidFill>
+                    <a:latin typeface="+mn-lt"/>
+                    <a:ea typeface="+mn-ea"/>
+                    <a:cs typeface="+mn-cs"/>
+                  </a:defRPr>
+                </a:pPr>
+                <a:endParaRPr lang="en-US"/>
+              </a:p>
+            </c:txPr>
+            <c:dLblPos val="outEnd"/>
+            <c:showLegendKey val="0"/>
+            <c:showVal val="1"/>
+            <c:showCatName val="0"/>
+            <c:showSerName val="0"/>
+            <c:showPercent val="0"/>
+            <c:showBubbleSize val="0"/>
+            <c:showLeaderLines val="0"/>
+            <c:extLst>
+              <c:ext xmlns:c15="http://schemas.microsoft.com/office/drawing/2012/chart" uri="{CE6537A1-D6FC-4f65-9D91-7224C49458BB}">
+                <c15:showLeaderLines val="1"/>
+                <c15:leaderLines>
+                  <c:spPr>
+                    <a:ln w="9525" cap="flat" cmpd="sng" algn="ctr">
+                      <a:solidFill>
+                        <a:schemeClr val="tx1">
+                          <a:lumMod val="35000"/>
+                          <a:lumOff val="65000"/>
+                        </a:schemeClr>
+                      </a:solidFill>
+                      <a:round/>
+                    </a:ln>
+                    <a:effectLst/>
+                  </c:spPr>
+                </c15:leaderLines>
+              </c:ext>
+            </c:extLst>
+          </c:dLbls>
+          <c:cat>
+            <c:strRef>
+              <c:f>Sheet1!$A$2:$A$4</c:f>
+              <c:strCache>
+                <c:ptCount val="3"/>
+                <c:pt idx="0">
+                  <c:v>Variation #1</c:v>
+                </c:pt>
+                <c:pt idx="1">
+                  <c:v>Variation #2</c:v>
+                </c:pt>
+                <c:pt idx="2">
+                  <c:v>Original</c:v>
+                </c:pt>
+              </c:strCache>
+            </c:strRef>
+          </c:cat>
+          <c:val>
+            <c:numRef>
+              <c:f>Sheet1!$C$2:$C$4</c:f>
+              <c:numCache>
+                <c:formatCode>0.00%</c:formatCode>
+                <c:ptCount val="3"/>
+                <c:pt idx="0">
+                  <c:v>0.38100000000000001</c:v>
+                </c:pt>
+                <c:pt idx="1">
+                  <c:v>0.30399999999999999</c:v>
+                </c:pt>
+                <c:pt idx="2">
+                  <c:v>0.36799999999999999</c:v>
+                </c:pt>
+              </c:numCache>
+            </c:numRef>
+          </c:val>
+          <c:extLst>
+            <c:ext xmlns:c16="http://schemas.microsoft.com/office/drawing/2014/chart" uri="{C3380CC4-5D6E-409C-BE32-E72D297353CC}">
+              <c16:uniqueId val="{00000001-0BBF-4B21-99FB-12BEC630FEC1}"/>
+            </c:ext>
+          </c:extLst>
+        </c:ser>
+        <c:ser>
+          <c:idx val="2"/>
+          <c:order val="2"/>
+          <c:tx>
+            <c:strRef>
+              <c:f>Sheet1!$D$1</c:f>
+              <c:strCache>
+                <c:ptCount val="1"/>
+                <c:pt idx="0">
+                  <c:v>suggested_shop_clicked</c:v>
+                </c:pt>
+              </c:strCache>
+            </c:strRef>
+          </c:tx>
+          <c:spPr>
+            <a:solidFill>
+              <a:schemeClr val="accent3"/>
+            </a:solidFill>
+            <a:ln>
+              <a:noFill/>
+            </a:ln>
+            <a:effectLst/>
+          </c:spPr>
+          <c:invertIfNegative val="0"/>
+          <c:dLbls>
+            <c:dLbl>
+              <c:idx val="0"/>
+              <c:layout>
+                <c:manualLayout>
+                  <c:x val="-1.2077294685990559E-3"/>
+                  <c:y val="-8.4640632375604929E-2"/>
+                </c:manualLayout>
+              </c:layout>
+              <c:dLblPos val="outEnd"/>
+              <c:showLegendKey val="0"/>
+              <c:showVal val="1"/>
+              <c:showCatName val="0"/>
+              <c:showSerName val="0"/>
+              <c:showPercent val="0"/>
+              <c:showBubbleSize val="0"/>
+              <c:extLst>
+                <c:ext xmlns:c15="http://schemas.microsoft.com/office/drawing/2012/chart" uri="{CE6537A1-D6FC-4f65-9D91-7224C49458BB}"/>
+                <c:ext xmlns:c16="http://schemas.microsoft.com/office/drawing/2014/chart" uri="{C3380CC4-5D6E-409C-BE32-E72D297353CC}">
+                  <c16:uniqueId val="{00000009-0BBF-4B21-99FB-12BEC630FEC1}"/>
+                </c:ext>
+              </c:extLst>
+            </c:dLbl>
+            <c:spPr>
+              <a:noFill/>
+              <a:ln>
+                <a:noFill/>
+              </a:ln>
+              <a:effectLst/>
+            </c:spPr>
+            <c:txPr>
+              <a:bodyPr rot="0" spcFirstLastPara="1" vertOverflow="ellipsis" vert="horz" wrap="square" lIns="38100" tIns="19050" rIns="38100" bIns="19050" anchor="ctr" anchorCtr="1">
+                <a:spAutoFit/>
+              </a:bodyPr>
+              <a:lstStyle/>
+              <a:p>
+                <a:pPr>
+                  <a:defRPr sz="1197" b="0" i="0" u="none" strike="noStrike" kern="1200" baseline="0">
+                    <a:solidFill>
+                      <a:schemeClr val="tx1">
+                        <a:lumMod val="75000"/>
+                        <a:lumOff val="25000"/>
+                      </a:schemeClr>
+                    </a:solidFill>
+                    <a:latin typeface="+mn-lt"/>
+                    <a:ea typeface="+mn-ea"/>
+                    <a:cs typeface="+mn-cs"/>
+                  </a:defRPr>
+                </a:pPr>
+                <a:endParaRPr lang="en-US"/>
+              </a:p>
+            </c:txPr>
+            <c:dLblPos val="outEnd"/>
+            <c:showLegendKey val="0"/>
+            <c:showVal val="1"/>
+            <c:showCatName val="0"/>
+            <c:showSerName val="0"/>
+            <c:showPercent val="0"/>
+            <c:showBubbleSize val="0"/>
+            <c:showLeaderLines val="0"/>
+            <c:extLst>
+              <c:ext xmlns:c15="http://schemas.microsoft.com/office/drawing/2012/chart" uri="{CE6537A1-D6FC-4f65-9D91-7224C49458BB}">
+                <c15:showLeaderLines val="1"/>
+                <c15:leaderLines>
+                  <c:spPr>
+                    <a:ln w="9525" cap="flat" cmpd="sng" algn="ctr">
+                      <a:solidFill>
+                        <a:schemeClr val="tx1">
+                          <a:lumMod val="35000"/>
+                          <a:lumOff val="65000"/>
+                        </a:schemeClr>
+                      </a:solidFill>
+                      <a:round/>
+                    </a:ln>
+                    <a:effectLst/>
+                  </c:spPr>
+                </c15:leaderLines>
+              </c:ext>
+            </c:extLst>
+          </c:dLbls>
+          <c:cat>
+            <c:strRef>
+              <c:f>Sheet1!$A$2:$A$4</c:f>
+              <c:strCache>
+                <c:ptCount val="3"/>
+                <c:pt idx="0">
+                  <c:v>Variation #1</c:v>
+                </c:pt>
+                <c:pt idx="1">
+                  <c:v>Variation #2</c:v>
+                </c:pt>
+                <c:pt idx="2">
+                  <c:v>Original</c:v>
+                </c:pt>
+              </c:strCache>
+            </c:strRef>
+          </c:cat>
+          <c:val>
+            <c:numRef>
+              <c:f>Sheet1!$D$2:$D$4</c:f>
+              <c:numCache>
+                <c:formatCode>0%</c:formatCode>
+                <c:ptCount val="3"/>
+                <c:pt idx="0" formatCode="0.00%">
+                  <c:v>0.34200000000000003</c:v>
+                </c:pt>
+                <c:pt idx="1">
+                  <c:v>0.34</c:v>
+                </c:pt>
+                <c:pt idx="2" formatCode="0.00%">
+                  <c:v>0.312</c:v>
+                </c:pt>
+              </c:numCache>
+            </c:numRef>
+          </c:val>
+          <c:extLst>
+            <c:ext xmlns:c16="http://schemas.microsoft.com/office/drawing/2014/chart" uri="{C3380CC4-5D6E-409C-BE32-E72D297353CC}">
+              <c16:uniqueId val="{00000002-0BBF-4B21-99FB-12BEC630FEC1}"/>
+            </c:ext>
+          </c:extLst>
+        </c:ser>
+        <c:ser>
+          <c:idx val="3"/>
+          <c:order val="3"/>
+          <c:tx>
+            <c:strRef>
+              <c:f>Sheet1!$E$1</c:f>
+              <c:strCache>
+                <c:ptCount val="1"/>
+                <c:pt idx="0">
+                  <c:v>suggested_modal_shop_list_clicked</c:v>
+                </c:pt>
+              </c:strCache>
+            </c:strRef>
+          </c:tx>
+          <c:spPr>
+            <a:solidFill>
+              <a:schemeClr val="accent4"/>
+            </a:solidFill>
+            <a:ln>
+              <a:noFill/>
+            </a:ln>
+            <a:effectLst/>
+          </c:spPr>
+          <c:invertIfNegative val="0"/>
+          <c:dLbls>
+            <c:dLbl>
+              <c:idx val="2"/>
+              <c:layout>
+                <c:manualLayout>
+                  <c:x val="-2.4154589371982449E-3"/>
+                  <c:y val="-3.2105067452815716E-2"/>
+                </c:manualLayout>
+              </c:layout>
+              <c:dLblPos val="outEnd"/>
+              <c:showLegendKey val="0"/>
+              <c:showVal val="1"/>
+              <c:showCatName val="0"/>
+              <c:showSerName val="0"/>
+              <c:showPercent val="0"/>
+              <c:showBubbleSize val="0"/>
+              <c:extLst>
+                <c:ext xmlns:c15="http://schemas.microsoft.com/office/drawing/2012/chart" uri="{CE6537A1-D6FC-4f65-9D91-7224C49458BB}"/>
+                <c:ext xmlns:c16="http://schemas.microsoft.com/office/drawing/2014/chart" uri="{C3380CC4-5D6E-409C-BE32-E72D297353CC}">
+                  <c16:uniqueId val="{00000007-0BBF-4B21-99FB-12BEC630FEC1}"/>
+                </c:ext>
+              </c:extLst>
+            </c:dLbl>
+            <c:spPr>
+              <a:noFill/>
+              <a:ln>
+                <a:noFill/>
+              </a:ln>
+              <a:effectLst/>
+            </c:spPr>
+            <c:txPr>
+              <a:bodyPr rot="0" spcFirstLastPara="1" vertOverflow="ellipsis" vert="horz" wrap="square" lIns="38100" tIns="19050" rIns="38100" bIns="19050" anchor="ctr" anchorCtr="1">
+                <a:spAutoFit/>
+              </a:bodyPr>
+              <a:lstStyle/>
+              <a:p>
+                <a:pPr>
+                  <a:defRPr sz="1197" b="0" i="0" u="none" strike="noStrike" kern="1200" baseline="0">
+                    <a:solidFill>
+                      <a:schemeClr val="tx1">
+                        <a:lumMod val="75000"/>
+                        <a:lumOff val="25000"/>
+                      </a:schemeClr>
+                    </a:solidFill>
+                    <a:latin typeface="+mn-lt"/>
+                    <a:ea typeface="+mn-ea"/>
+                    <a:cs typeface="+mn-cs"/>
+                  </a:defRPr>
+                </a:pPr>
+                <a:endParaRPr lang="en-US"/>
+              </a:p>
+            </c:txPr>
+            <c:dLblPos val="outEnd"/>
+            <c:showLegendKey val="0"/>
+            <c:showVal val="1"/>
+            <c:showCatName val="0"/>
+            <c:showSerName val="0"/>
+            <c:showPercent val="0"/>
+            <c:showBubbleSize val="0"/>
+            <c:showLeaderLines val="0"/>
+            <c:extLst>
+              <c:ext xmlns:c15="http://schemas.microsoft.com/office/drawing/2012/chart" uri="{CE6537A1-D6FC-4f65-9D91-7224C49458BB}">
+                <c15:showLeaderLines val="1"/>
+                <c15:leaderLines>
+                  <c:spPr>
+                    <a:ln w="9525" cap="flat" cmpd="sng" algn="ctr">
+                      <a:solidFill>
+                        <a:schemeClr val="tx1">
+                          <a:lumMod val="35000"/>
+                          <a:lumOff val="65000"/>
+                        </a:schemeClr>
+                      </a:solidFill>
+                      <a:round/>
+                    </a:ln>
+                    <a:effectLst/>
+                  </c:spPr>
+                </c15:leaderLines>
+              </c:ext>
+            </c:extLst>
+          </c:dLbls>
+          <c:cat>
+            <c:strRef>
+              <c:f>Sheet1!$A$2:$A$4</c:f>
+              <c:strCache>
+                <c:ptCount val="3"/>
+                <c:pt idx="0">
+                  <c:v>Variation #1</c:v>
+                </c:pt>
+                <c:pt idx="1">
+                  <c:v>Variation #2</c:v>
+                </c:pt>
+                <c:pt idx="2">
+                  <c:v>Original</c:v>
+                </c:pt>
+              </c:strCache>
+            </c:strRef>
+          </c:cat>
+          <c:val>
+            <c:numRef>
+              <c:f>Sheet1!$E$2:$E$4</c:f>
+              <c:numCache>
+                <c:formatCode>0.00%</c:formatCode>
+                <c:ptCount val="3"/>
+                <c:pt idx="0" formatCode="0%">
+                  <c:v>0.35</c:v>
+                </c:pt>
+                <c:pt idx="1">
+                  <c:v>0.39300000000000002</c:v>
+                </c:pt>
+                <c:pt idx="2">
+                  <c:v>0.36799999999999999</c:v>
+                </c:pt>
+              </c:numCache>
+            </c:numRef>
+          </c:val>
+          <c:extLst>
+            <c:ext xmlns:c16="http://schemas.microsoft.com/office/drawing/2014/chart" uri="{C3380CC4-5D6E-409C-BE32-E72D297353CC}">
+              <c16:uniqueId val="{00000003-0BBF-4B21-99FB-12BEC630FEC1}"/>
+            </c:ext>
+          </c:extLst>
+        </c:ser>
+        <c:ser>
+          <c:idx val="4"/>
+          <c:order val="4"/>
+          <c:tx>
+            <c:strRef>
+              <c:f>Sheet1!$F$1</c:f>
+              <c:strCache>
+                <c:ptCount val="1"/>
+                <c:pt idx="0">
+                  <c:v>checkout_loaded</c:v>
+                </c:pt>
+              </c:strCache>
+            </c:strRef>
+          </c:tx>
+          <c:spPr>
+            <a:solidFill>
+              <a:schemeClr val="accent5"/>
+            </a:solidFill>
+            <a:ln>
+              <a:noFill/>
+            </a:ln>
+            <a:effectLst/>
+          </c:spPr>
+          <c:invertIfNegative val="0"/>
+          <c:dLbls>
+            <c:dLbl>
+              <c:idx val="0"/>
+              <c:layout>
+                <c:manualLayout>
+                  <c:x val="0"/>
+                  <c:y val="-8.4640632375604985E-2"/>
+                </c:manualLayout>
+              </c:layout>
+              <c:dLblPos val="outEnd"/>
+              <c:showLegendKey val="0"/>
+              <c:showVal val="1"/>
+              <c:showCatName val="0"/>
+              <c:showSerName val="0"/>
+              <c:showPercent val="0"/>
+              <c:showBubbleSize val="0"/>
+              <c:extLst>
+                <c:ext xmlns:c15="http://schemas.microsoft.com/office/drawing/2012/chart" uri="{CE6537A1-D6FC-4f65-9D91-7224C49458BB}"/>
+                <c:ext xmlns:c16="http://schemas.microsoft.com/office/drawing/2014/chart" uri="{C3380CC4-5D6E-409C-BE32-E72D297353CC}">
+                  <c16:uniqueId val="{0000000A-0BBF-4B21-99FB-12BEC630FEC1}"/>
+                </c:ext>
+              </c:extLst>
+            </c:dLbl>
+            <c:spPr>
+              <a:noFill/>
+              <a:ln>
+                <a:noFill/>
+              </a:ln>
+              <a:effectLst/>
+            </c:spPr>
+            <c:txPr>
+              <a:bodyPr rot="0" spcFirstLastPara="1" vertOverflow="ellipsis" vert="horz" wrap="square" lIns="38100" tIns="19050" rIns="38100" bIns="19050" anchor="ctr" anchorCtr="1">
+                <a:spAutoFit/>
+              </a:bodyPr>
+              <a:lstStyle/>
+              <a:p>
+                <a:pPr>
+                  <a:defRPr sz="1197" b="0" i="0" u="none" strike="noStrike" kern="1200" baseline="0">
+                    <a:solidFill>
+                      <a:schemeClr val="tx1">
+                        <a:lumMod val="75000"/>
+                        <a:lumOff val="25000"/>
+                      </a:schemeClr>
+                    </a:solidFill>
+                    <a:latin typeface="+mn-lt"/>
+                    <a:ea typeface="+mn-ea"/>
+                    <a:cs typeface="+mn-cs"/>
+                  </a:defRPr>
+                </a:pPr>
+                <a:endParaRPr lang="en-US"/>
+              </a:p>
+            </c:txPr>
+            <c:dLblPos val="outEnd"/>
+            <c:showLegendKey val="0"/>
+            <c:showVal val="1"/>
+            <c:showCatName val="0"/>
+            <c:showSerName val="0"/>
+            <c:showPercent val="0"/>
+            <c:showBubbleSize val="0"/>
+            <c:showLeaderLines val="0"/>
+            <c:extLst>
+              <c:ext xmlns:c15="http://schemas.microsoft.com/office/drawing/2012/chart" uri="{CE6537A1-D6FC-4f65-9D91-7224C49458BB}">
+                <c15:showLeaderLines val="1"/>
+                <c15:leaderLines>
+                  <c:spPr>
+                    <a:ln w="9525" cap="flat" cmpd="sng" algn="ctr">
+                      <a:solidFill>
+                        <a:schemeClr val="tx1">
+                          <a:lumMod val="35000"/>
+                          <a:lumOff val="65000"/>
+                        </a:schemeClr>
+                      </a:solidFill>
+                      <a:round/>
+                    </a:ln>
+                    <a:effectLst/>
+                  </c:spPr>
+                </c15:leaderLines>
+              </c:ext>
+            </c:extLst>
+          </c:dLbls>
+          <c:cat>
+            <c:strRef>
+              <c:f>Sheet1!$A$2:$A$4</c:f>
+              <c:strCache>
+                <c:ptCount val="3"/>
+                <c:pt idx="0">
+                  <c:v>Variation #1</c:v>
+                </c:pt>
+                <c:pt idx="1">
+                  <c:v>Variation #2</c:v>
+                </c:pt>
+                <c:pt idx="2">
+                  <c:v>Original</c:v>
+                </c:pt>
+              </c:strCache>
+            </c:strRef>
+          </c:cat>
+          <c:val>
+            <c:numRef>
+              <c:f>Sheet1!$F$2:$F$4</c:f>
+              <c:numCache>
+                <c:formatCode>0.00%</c:formatCode>
+                <c:ptCount val="3"/>
+                <c:pt idx="0">
+                  <c:v>0.33100000000000002</c:v>
+                </c:pt>
+                <c:pt idx="1">
+                  <c:v>0.32400000000000001</c:v>
+                </c:pt>
+                <c:pt idx="2">
+                  <c:v>0.372</c:v>
+                </c:pt>
+              </c:numCache>
+            </c:numRef>
+          </c:val>
+          <c:extLst>
+            <c:ext xmlns:c16="http://schemas.microsoft.com/office/drawing/2014/chart" uri="{C3380CC4-5D6E-409C-BE32-E72D297353CC}">
+              <c16:uniqueId val="{00000004-0BBF-4B21-99FB-12BEC630FEC1}"/>
+            </c:ext>
+          </c:extLst>
+        </c:ser>
+        <c:ser>
+          <c:idx val="5"/>
+          <c:order val="5"/>
+          <c:tx>
+            <c:strRef>
+              <c:f>Sheet1!$G$1</c:f>
+              <c:strCache>
+                <c:ptCount val="1"/>
+                <c:pt idx="0">
+                  <c:v>suggested_popup_closed</c:v>
+                </c:pt>
+              </c:strCache>
+            </c:strRef>
+          </c:tx>
+          <c:spPr>
+            <a:solidFill>
+              <a:schemeClr val="accent6"/>
+            </a:solidFill>
+            <a:ln>
+              <a:noFill/>
+            </a:ln>
+            <a:effectLst/>
+          </c:spPr>
+          <c:invertIfNegative val="0"/>
+          <c:dLbls>
+            <c:dLbl>
+              <c:idx val="0"/>
+              <c:layout>
+                <c:manualLayout>
+                  <c:x val="1.4492753623188361E-2"/>
+                  <c:y val="0"/>
+                </c:manualLayout>
+              </c:layout>
+              <c:dLblPos val="outEnd"/>
+              <c:showLegendKey val="0"/>
+              <c:showVal val="1"/>
+              <c:showCatName val="0"/>
+              <c:showSerName val="0"/>
+              <c:showPercent val="0"/>
+              <c:showBubbleSize val="0"/>
+              <c:extLst>
+                <c:ext xmlns:c15="http://schemas.microsoft.com/office/drawing/2012/chart" uri="{CE6537A1-D6FC-4f65-9D91-7224C49458BB}"/>
+                <c:ext xmlns:c16="http://schemas.microsoft.com/office/drawing/2014/chart" uri="{C3380CC4-5D6E-409C-BE32-E72D297353CC}">
+                  <c16:uniqueId val="{00000006-0BBF-4B21-99FB-12BEC630FEC1}"/>
+                </c:ext>
+              </c:extLst>
+            </c:dLbl>
+            <c:dLbl>
+              <c:idx val="2"/>
+              <c:layout>
+                <c:manualLayout>
+                  <c:x val="1.2077294685990338E-2"/>
+                  <c:y val="-1.7511854974263195E-2"/>
+                </c:manualLayout>
+              </c:layout>
+              <c:dLblPos val="outEnd"/>
+              <c:showLegendKey val="0"/>
+              <c:showVal val="1"/>
+              <c:showCatName val="0"/>
+              <c:showSerName val="0"/>
+              <c:showPercent val="0"/>
+              <c:showBubbleSize val="0"/>
+              <c:extLst>
+                <c:ext xmlns:c15="http://schemas.microsoft.com/office/drawing/2012/chart" uri="{CE6537A1-D6FC-4f65-9D91-7224C49458BB}"/>
+                <c:ext xmlns:c16="http://schemas.microsoft.com/office/drawing/2014/chart" uri="{C3380CC4-5D6E-409C-BE32-E72D297353CC}">
+                  <c16:uniqueId val="{00000008-0BBF-4B21-99FB-12BEC630FEC1}"/>
+                </c:ext>
+              </c:extLst>
+            </c:dLbl>
+            <c:spPr>
+              <a:noFill/>
+              <a:ln>
+                <a:noFill/>
+              </a:ln>
+              <a:effectLst/>
+            </c:spPr>
+            <c:txPr>
+              <a:bodyPr rot="0" spcFirstLastPara="1" vertOverflow="ellipsis" vert="horz" wrap="square" lIns="38100" tIns="19050" rIns="38100" bIns="19050" anchor="ctr" anchorCtr="1">
+                <a:spAutoFit/>
+              </a:bodyPr>
+              <a:lstStyle/>
+              <a:p>
+                <a:pPr>
+                  <a:defRPr sz="1197" b="0" i="0" u="none" strike="noStrike" kern="1200" baseline="0">
+                    <a:solidFill>
+                      <a:schemeClr val="tx1">
+                        <a:lumMod val="75000"/>
+                        <a:lumOff val="25000"/>
+                      </a:schemeClr>
+                    </a:solidFill>
+                    <a:latin typeface="+mn-lt"/>
+                    <a:ea typeface="+mn-ea"/>
+                    <a:cs typeface="+mn-cs"/>
+                  </a:defRPr>
+                </a:pPr>
+                <a:endParaRPr lang="en-US"/>
+              </a:p>
+            </c:txPr>
+            <c:dLblPos val="outEnd"/>
+            <c:showLegendKey val="0"/>
+            <c:showVal val="1"/>
+            <c:showCatName val="0"/>
+            <c:showSerName val="0"/>
+            <c:showPercent val="0"/>
+            <c:showBubbleSize val="0"/>
+            <c:showLeaderLines val="0"/>
+            <c:extLst>
+              <c:ext xmlns:c15="http://schemas.microsoft.com/office/drawing/2012/chart" uri="{CE6537A1-D6FC-4f65-9D91-7224C49458BB}">
+                <c15:showLeaderLines val="1"/>
+                <c15:leaderLines>
+                  <c:spPr>
+                    <a:ln w="9525" cap="flat" cmpd="sng" algn="ctr">
+                      <a:solidFill>
+                        <a:schemeClr val="tx1">
+                          <a:lumMod val="35000"/>
+                          <a:lumOff val="65000"/>
+                        </a:schemeClr>
+                      </a:solidFill>
+                      <a:round/>
+                    </a:ln>
+                    <a:effectLst/>
+                  </c:spPr>
+                </c15:leaderLines>
+              </c:ext>
+            </c:extLst>
+          </c:dLbls>
+          <c:cat>
+            <c:strRef>
+              <c:f>Sheet1!$A$2:$A$4</c:f>
+              <c:strCache>
+                <c:ptCount val="3"/>
+                <c:pt idx="0">
+                  <c:v>Variation #1</c:v>
+                </c:pt>
+                <c:pt idx="1">
+                  <c:v>Variation #2</c:v>
+                </c:pt>
+                <c:pt idx="2">
+                  <c:v>Original</c:v>
+                </c:pt>
+              </c:strCache>
+            </c:strRef>
+          </c:cat>
+          <c:val>
+            <c:numRef>
+              <c:f>Sheet1!$G$2:$G$4</c:f>
+              <c:numCache>
+                <c:formatCode>0%</c:formatCode>
+                <c:ptCount val="3"/>
+                <c:pt idx="0" formatCode="0.00%">
+                  <c:v>0.34599999999999997</c:v>
+                </c:pt>
+                <c:pt idx="1">
+                  <c:v>0.34</c:v>
+                </c:pt>
+                <c:pt idx="2" formatCode="0.00%">
+                  <c:v>0.40300000000000002</c:v>
+                </c:pt>
+              </c:numCache>
+            </c:numRef>
+          </c:val>
+          <c:extLst>
+            <c:ext xmlns:c16="http://schemas.microsoft.com/office/drawing/2014/chart" uri="{C3380CC4-5D6E-409C-BE32-E72D297353CC}">
+              <c16:uniqueId val="{00000005-0BBF-4B21-99FB-12BEC630FEC1}"/>
+            </c:ext>
+          </c:extLst>
+        </c:ser>
+        <c:dLbls>
+          <c:dLblPos val="outEnd"/>
+          <c:showLegendKey val="0"/>
+          <c:showVal val="1"/>
+          <c:showCatName val="0"/>
+          <c:showSerName val="0"/>
+          <c:showPercent val="0"/>
+          <c:showBubbleSize val="0"/>
+        </c:dLbls>
+        <c:gapWidth val="219"/>
+        <c:overlap val="-27"/>
+        <c:axId val="396568144"/>
+        <c:axId val="396566704"/>
+      </c:barChart>
+      <c:catAx>
+        <c:axId val="396568144"/>
+        <c:scaling>
+          <c:orientation val="minMax"/>
+        </c:scaling>
+        <c:delete val="0"/>
+        <c:axPos val="b"/>
+        <c:numFmt formatCode="General" sourceLinked="1"/>
+        <c:majorTickMark val="none"/>
+        <c:minorTickMark val="none"/>
+        <c:tickLblPos val="nextTo"/>
+        <c:spPr>
+          <a:noFill/>
+          <a:ln w="9525" cap="flat" cmpd="sng" algn="ctr">
+            <a:solidFill>
+              <a:schemeClr val="tx1">
+                <a:lumMod val="15000"/>
+                <a:lumOff val="85000"/>
+              </a:schemeClr>
+            </a:solidFill>
+            <a:round/>
+          </a:ln>
+          <a:effectLst/>
+        </c:spPr>
+        <c:txPr>
+          <a:bodyPr rot="-60000000" spcFirstLastPara="1" vertOverflow="ellipsis" vert="horz" wrap="square" anchor="ctr" anchorCtr="1"/>
+          <a:lstStyle/>
+          <a:p>
+            <a:pPr>
+              <a:defRPr sz="1197" b="0" i="0" u="none" strike="noStrike" kern="1200" baseline="0">
+                <a:solidFill>
+                  <a:schemeClr val="tx1">
+                    <a:lumMod val="65000"/>
+                    <a:lumOff val="35000"/>
+                  </a:schemeClr>
+                </a:solidFill>
+                <a:latin typeface="+mn-lt"/>
+                <a:ea typeface="+mn-ea"/>
+                <a:cs typeface="+mn-cs"/>
+              </a:defRPr>
+            </a:pPr>
+            <a:endParaRPr lang="en-US"/>
+          </a:p>
+        </c:txPr>
+        <c:crossAx val="396566704"/>
+        <c:crosses val="autoZero"/>
+        <c:auto val="1"/>
+        <c:lblAlgn val="ctr"/>
+        <c:lblOffset val="100"/>
+        <c:noMultiLvlLbl val="0"/>
+      </c:catAx>
+      <c:valAx>
+        <c:axId val="396566704"/>
+        <c:scaling>
+          <c:orientation val="minMax"/>
+        </c:scaling>
+        <c:delete val="0"/>
+        <c:axPos val="l"/>
+        <c:majorGridlines>
+          <c:spPr>
+            <a:ln w="9525" cap="flat" cmpd="sng" algn="ctr">
+              <a:solidFill>
+                <a:schemeClr val="tx1">
+                  <a:lumMod val="15000"/>
+                  <a:lumOff val="85000"/>
+                </a:schemeClr>
+              </a:solidFill>
+              <a:round/>
+            </a:ln>
+            <a:effectLst/>
+          </c:spPr>
+        </c:majorGridlines>
+        <c:numFmt formatCode="0.00%" sourceLinked="1"/>
+        <c:majorTickMark val="none"/>
+        <c:minorTickMark val="none"/>
+        <c:tickLblPos val="nextTo"/>
+        <c:spPr>
+          <a:noFill/>
+          <a:ln>
+            <a:noFill/>
+          </a:ln>
+          <a:effectLst/>
+        </c:spPr>
+        <c:txPr>
+          <a:bodyPr rot="-60000000" spcFirstLastPara="1" vertOverflow="ellipsis" vert="horz" wrap="square" anchor="ctr" anchorCtr="1"/>
+          <a:lstStyle/>
+          <a:p>
+            <a:pPr>
+              <a:defRPr sz="1197" b="0" i="0" u="none" strike="noStrike" kern="1200" baseline="0">
+                <a:solidFill>
+                  <a:schemeClr val="tx1">
+                    <a:lumMod val="65000"/>
+                    <a:lumOff val="35000"/>
+                  </a:schemeClr>
+                </a:solidFill>
+                <a:latin typeface="+mn-lt"/>
+                <a:ea typeface="+mn-ea"/>
+                <a:cs typeface="+mn-cs"/>
+              </a:defRPr>
+            </a:pPr>
+            <a:endParaRPr lang="en-US"/>
+          </a:p>
+        </c:txPr>
+        <c:crossAx val="396568144"/>
+        <c:crosses val="autoZero"/>
+        <c:crossBetween val="between"/>
+      </c:valAx>
+      <c:spPr>
+        <a:noFill/>
+        <a:ln>
+          <a:noFill/>
+        </a:ln>
+        <a:effectLst/>
+      </c:spPr>
+    </c:plotArea>
+    <c:legend>
+      <c:legendPos val="b"/>
+      <c:overlay val="0"/>
+      <c:spPr>
+        <a:noFill/>
+        <a:ln>
+          <a:noFill/>
+        </a:ln>
+        <a:effectLst/>
+      </c:spPr>
+      <c:txPr>
+        <a:bodyPr rot="0" spcFirstLastPara="1" vertOverflow="ellipsis" vert="horz" wrap="square" anchor="ctr" anchorCtr="1"/>
+        <a:lstStyle/>
+        <a:p>
+          <a:pPr>
+            <a:defRPr sz="1197" b="0" i="0" u="none" strike="noStrike" kern="1200" baseline="0">
+              <a:solidFill>
+                <a:schemeClr val="tx1">
+                  <a:lumMod val="65000"/>
+                  <a:lumOff val="35000"/>
+                </a:schemeClr>
+              </a:solidFill>
+              <a:latin typeface="+mn-lt"/>
+              <a:ea typeface="+mn-ea"/>
+              <a:cs typeface="+mn-cs"/>
+            </a:defRPr>
+          </a:pPr>
+          <a:endParaRPr lang="en-US"/>
+        </a:p>
+      </c:txPr>
+    </c:legend>
+    <c:plotVisOnly val="1"/>
+    <c:dispBlanksAs val="gap"/>
+    <c:extLst>
+      <c:ext xmlns:c16r3="http://schemas.microsoft.com/office/drawing/2017/03/chart" uri="{56B9EC1D-385E-4148-901F-78D8002777C0}">
+        <c16r3:dataDisplayOptions16>
+          <c16r3:dispNaAsBlank val="1"/>
+        </c16r3:dataDisplayOptions16>
+      </c:ext>
+    </c:extLst>
+    <c:showDLblsOverMax val="0"/>
+  </c:chart>
+  <c:spPr>
+    <a:noFill/>
+    <a:ln>
+      <a:noFill/>
+    </a:ln>
+    <a:effectLst/>
+  </c:spPr>
+  <c:txPr>
+    <a:bodyPr/>
+    <a:lstStyle/>
+    <a:p>
+      <a:pPr>
+        <a:defRPr/>
+      </a:pPr>
+      <a:endParaRPr lang="en-US"/>
+    </a:p>
+  </c:txPr>
+  <c:externalData r:id="rId3">
+    <c:autoUpdate val="0"/>
+  </c:externalData>
+</c:chartSpace>
+</file>
+
+<file path=ppt/charts/chart2.xml><?xml version="1.0" encoding="utf-8"?>
 <c:chartSpace xmlns:c="http://schemas.openxmlformats.org/drawingml/2006/chart" xmlns:a="http://schemas.openxmlformats.org/drawingml/2006/main" xmlns:r="http://schemas.openxmlformats.org/officeDocument/2006/relationships" xmlns:c16r2="http://schemas.microsoft.com/office/drawing/2015/06/chart">
   <c:date1904 val="0"/>
   <c:lang val="en-US"/>
@@ -1721,7 +2795,550 @@
 </cs:colorStyle>
 </file>
 
+<file path=ppt/charts/colors2.xml><?xml version="1.0" encoding="utf-8"?>
+<cs:colorStyle xmlns:cs="http://schemas.microsoft.com/office/drawing/2012/chartStyle" xmlns:a="http://schemas.openxmlformats.org/drawingml/2006/main" meth="cycle" id="10">
+  <a:schemeClr val="accent1"/>
+  <a:schemeClr val="accent2"/>
+  <a:schemeClr val="accent3"/>
+  <a:schemeClr val="accent4"/>
+  <a:schemeClr val="accent5"/>
+  <a:schemeClr val="accent6"/>
+  <cs:variation/>
+  <cs:variation>
+    <a:lumMod val="60000"/>
+  </cs:variation>
+  <cs:variation>
+    <a:lumMod val="80000"/>
+    <a:lumOff val="20000"/>
+  </cs:variation>
+  <cs:variation>
+    <a:lumMod val="80000"/>
+  </cs:variation>
+  <cs:variation>
+    <a:lumMod val="60000"/>
+    <a:lumOff val="40000"/>
+  </cs:variation>
+  <cs:variation>
+    <a:lumMod val="50000"/>
+  </cs:variation>
+  <cs:variation>
+    <a:lumMod val="70000"/>
+    <a:lumOff val="30000"/>
+  </cs:variation>
+  <cs:variation>
+    <a:lumMod val="70000"/>
+  </cs:variation>
+  <cs:variation>
+    <a:lumMod val="50000"/>
+    <a:lumOff val="50000"/>
+  </cs:variation>
+</cs:colorStyle>
+</file>
+
 <file path=ppt/charts/style1.xml><?xml version="1.0" encoding="utf-8"?>
+<cs:chartStyle xmlns:cs="http://schemas.microsoft.com/office/drawing/2012/chartStyle" xmlns:a="http://schemas.openxmlformats.org/drawingml/2006/main" id="201">
+  <cs:axisTitle>
+    <cs:lnRef idx="0"/>
+    <cs:fillRef idx="0"/>
+    <cs:effectRef idx="0"/>
+    <cs:fontRef idx="minor">
+      <a:schemeClr val="tx1">
+        <a:lumMod val="65000"/>
+        <a:lumOff val="35000"/>
+      </a:schemeClr>
+    </cs:fontRef>
+    <cs:defRPr sz="1330" kern="1200"/>
+  </cs:axisTitle>
+  <cs:categoryAxis>
+    <cs:lnRef idx="0"/>
+    <cs:fillRef idx="0"/>
+    <cs:effectRef idx="0"/>
+    <cs:fontRef idx="minor">
+      <a:schemeClr val="tx1">
+        <a:lumMod val="65000"/>
+        <a:lumOff val="35000"/>
+      </a:schemeClr>
+    </cs:fontRef>
+    <cs:spPr>
+      <a:ln w="9525" cap="flat" cmpd="sng" algn="ctr">
+        <a:solidFill>
+          <a:schemeClr val="tx1">
+            <a:lumMod val="15000"/>
+            <a:lumOff val="85000"/>
+          </a:schemeClr>
+        </a:solidFill>
+        <a:round/>
+      </a:ln>
+    </cs:spPr>
+    <cs:defRPr sz="1197" kern="1200"/>
+  </cs:categoryAxis>
+  <cs:chartArea mods="allowNoFillOverride allowNoLineOverride">
+    <cs:lnRef idx="0"/>
+    <cs:fillRef idx="0"/>
+    <cs:effectRef idx="0"/>
+    <cs:fontRef idx="minor">
+      <a:schemeClr val="tx1"/>
+    </cs:fontRef>
+    <cs:spPr>
+      <a:solidFill>
+        <a:schemeClr val="bg1"/>
+      </a:solidFill>
+      <a:ln w="9525" cap="flat" cmpd="sng" algn="ctr">
+        <a:solidFill>
+          <a:schemeClr val="tx1">
+            <a:lumMod val="15000"/>
+            <a:lumOff val="85000"/>
+          </a:schemeClr>
+        </a:solidFill>
+        <a:round/>
+      </a:ln>
+    </cs:spPr>
+    <cs:defRPr sz="1330" kern="1200"/>
+  </cs:chartArea>
+  <cs:dataLabel>
+    <cs:lnRef idx="0"/>
+    <cs:fillRef idx="0"/>
+    <cs:effectRef idx="0"/>
+    <cs:fontRef idx="minor">
+      <a:schemeClr val="tx1">
+        <a:lumMod val="75000"/>
+        <a:lumOff val="25000"/>
+      </a:schemeClr>
+    </cs:fontRef>
+    <cs:defRPr sz="1197" kern="1200"/>
+  </cs:dataLabel>
+  <cs:dataLabelCallout>
+    <cs:lnRef idx="0"/>
+    <cs:fillRef idx="0"/>
+    <cs:effectRef idx="0"/>
+    <cs:fontRef idx="minor">
+      <a:schemeClr val="dk1">
+        <a:lumMod val="65000"/>
+        <a:lumOff val="35000"/>
+      </a:schemeClr>
+    </cs:fontRef>
+    <cs:spPr>
+      <a:solidFill>
+        <a:schemeClr val="lt1"/>
+      </a:solidFill>
+      <a:ln>
+        <a:solidFill>
+          <a:schemeClr val="dk1">
+            <a:lumMod val="25000"/>
+            <a:lumOff val="75000"/>
+          </a:schemeClr>
+        </a:solidFill>
+      </a:ln>
+    </cs:spPr>
+    <cs:defRPr sz="1197" kern="1200"/>
+    <cs:bodyPr rot="0" spcFirstLastPara="1" vertOverflow="clip" horzOverflow="clip" vert="horz" wrap="square" lIns="36576" tIns="18288" rIns="36576" bIns="18288" anchor="ctr" anchorCtr="1">
+      <a:spAutoFit/>
+    </cs:bodyPr>
+  </cs:dataLabelCallout>
+  <cs:dataPoint>
+    <cs:lnRef idx="0"/>
+    <cs:fillRef idx="1">
+      <cs:styleClr val="auto"/>
+    </cs:fillRef>
+    <cs:effectRef idx="0"/>
+    <cs:fontRef idx="minor">
+      <a:schemeClr val="tx1"/>
+    </cs:fontRef>
+  </cs:dataPoint>
+  <cs:dataPoint3D>
+    <cs:lnRef idx="0"/>
+    <cs:fillRef idx="1">
+      <cs:styleClr val="auto"/>
+    </cs:fillRef>
+    <cs:effectRef idx="0"/>
+    <cs:fontRef idx="minor">
+      <a:schemeClr val="tx1"/>
+    </cs:fontRef>
+  </cs:dataPoint3D>
+  <cs:dataPointLine>
+    <cs:lnRef idx="0">
+      <cs:styleClr val="auto"/>
+    </cs:lnRef>
+    <cs:fillRef idx="1"/>
+    <cs:effectRef idx="0"/>
+    <cs:fontRef idx="minor">
+      <a:schemeClr val="tx1"/>
+    </cs:fontRef>
+    <cs:spPr>
+      <a:ln w="28575" cap="rnd">
+        <a:solidFill>
+          <a:schemeClr val="phClr"/>
+        </a:solidFill>
+        <a:round/>
+      </a:ln>
+    </cs:spPr>
+  </cs:dataPointLine>
+  <cs:dataPointMarker>
+    <cs:lnRef idx="0">
+      <cs:styleClr val="auto"/>
+    </cs:lnRef>
+    <cs:fillRef idx="1">
+      <cs:styleClr val="auto"/>
+    </cs:fillRef>
+    <cs:effectRef idx="0"/>
+    <cs:fontRef idx="minor">
+      <a:schemeClr val="tx1"/>
+    </cs:fontRef>
+    <cs:spPr>
+      <a:ln w="9525">
+        <a:solidFill>
+          <a:schemeClr val="phClr"/>
+        </a:solidFill>
+      </a:ln>
+    </cs:spPr>
+  </cs:dataPointMarker>
+  <cs:dataPointMarkerLayout symbol="circle" size="5"/>
+  <cs:dataPointWireframe>
+    <cs:lnRef idx="0">
+      <cs:styleClr val="auto"/>
+    </cs:lnRef>
+    <cs:fillRef idx="1"/>
+    <cs:effectRef idx="0"/>
+    <cs:fontRef idx="minor">
+      <a:schemeClr val="tx1"/>
+    </cs:fontRef>
+    <cs:spPr>
+      <a:ln w="9525" cap="rnd">
+        <a:solidFill>
+          <a:schemeClr val="phClr"/>
+        </a:solidFill>
+        <a:round/>
+      </a:ln>
+    </cs:spPr>
+  </cs:dataPointWireframe>
+  <cs:dataTable>
+    <cs:lnRef idx="0"/>
+    <cs:fillRef idx="0"/>
+    <cs:effectRef idx="0"/>
+    <cs:fontRef idx="minor">
+      <a:schemeClr val="tx1">
+        <a:lumMod val="65000"/>
+        <a:lumOff val="35000"/>
+      </a:schemeClr>
+    </cs:fontRef>
+    <cs:spPr>
+      <a:noFill/>
+      <a:ln w="9525" cap="flat" cmpd="sng" algn="ctr">
+        <a:solidFill>
+          <a:schemeClr val="tx1">
+            <a:lumMod val="15000"/>
+            <a:lumOff val="85000"/>
+          </a:schemeClr>
+        </a:solidFill>
+        <a:round/>
+      </a:ln>
+    </cs:spPr>
+    <cs:defRPr sz="1197" kern="1200"/>
+  </cs:dataTable>
+  <cs:downBar>
+    <cs:lnRef idx="0"/>
+    <cs:fillRef idx="0"/>
+    <cs:effectRef idx="0"/>
+    <cs:fontRef idx="minor">
+      <a:schemeClr val="dk1"/>
+    </cs:fontRef>
+    <cs:spPr>
+      <a:solidFill>
+        <a:schemeClr val="dk1">
+          <a:lumMod val="65000"/>
+          <a:lumOff val="35000"/>
+        </a:schemeClr>
+      </a:solidFill>
+      <a:ln w="9525">
+        <a:solidFill>
+          <a:schemeClr val="tx1">
+            <a:lumMod val="65000"/>
+            <a:lumOff val="35000"/>
+          </a:schemeClr>
+        </a:solidFill>
+      </a:ln>
+    </cs:spPr>
+  </cs:downBar>
+  <cs:dropLine>
+    <cs:lnRef idx="0"/>
+    <cs:fillRef idx="0"/>
+    <cs:effectRef idx="0"/>
+    <cs:fontRef idx="minor">
+      <a:schemeClr val="tx1"/>
+    </cs:fontRef>
+    <cs:spPr>
+      <a:ln w="9525" cap="flat" cmpd="sng" algn="ctr">
+        <a:solidFill>
+          <a:schemeClr val="tx1">
+            <a:lumMod val="35000"/>
+            <a:lumOff val="65000"/>
+          </a:schemeClr>
+        </a:solidFill>
+        <a:round/>
+      </a:ln>
+    </cs:spPr>
+  </cs:dropLine>
+  <cs:errorBar>
+    <cs:lnRef idx="0"/>
+    <cs:fillRef idx="0"/>
+    <cs:effectRef idx="0"/>
+    <cs:fontRef idx="minor">
+      <a:schemeClr val="tx1"/>
+    </cs:fontRef>
+    <cs:spPr>
+      <a:ln w="9525" cap="flat" cmpd="sng" algn="ctr">
+        <a:solidFill>
+          <a:schemeClr val="tx1">
+            <a:lumMod val="65000"/>
+            <a:lumOff val="35000"/>
+          </a:schemeClr>
+        </a:solidFill>
+        <a:round/>
+      </a:ln>
+    </cs:spPr>
+  </cs:errorBar>
+  <cs:floor>
+    <cs:lnRef idx="0"/>
+    <cs:fillRef idx="0"/>
+    <cs:effectRef idx="0"/>
+    <cs:fontRef idx="minor">
+      <a:schemeClr val="tx1"/>
+    </cs:fontRef>
+    <cs:spPr>
+      <a:noFill/>
+      <a:ln>
+        <a:noFill/>
+      </a:ln>
+    </cs:spPr>
+  </cs:floor>
+  <cs:gridlineMajor>
+    <cs:lnRef idx="0"/>
+    <cs:fillRef idx="0"/>
+    <cs:effectRef idx="0"/>
+    <cs:fontRef idx="minor">
+      <a:schemeClr val="tx1"/>
+    </cs:fontRef>
+    <cs:spPr>
+      <a:ln w="9525" cap="flat" cmpd="sng" algn="ctr">
+        <a:solidFill>
+          <a:schemeClr val="tx1">
+            <a:lumMod val="15000"/>
+            <a:lumOff val="85000"/>
+          </a:schemeClr>
+        </a:solidFill>
+        <a:round/>
+      </a:ln>
+    </cs:spPr>
+  </cs:gridlineMajor>
+  <cs:gridlineMinor>
+    <cs:lnRef idx="0"/>
+    <cs:fillRef idx="0"/>
+    <cs:effectRef idx="0"/>
+    <cs:fontRef idx="minor">
+      <a:schemeClr val="tx1"/>
+    </cs:fontRef>
+    <cs:spPr>
+      <a:ln w="9525" cap="flat" cmpd="sng" algn="ctr">
+        <a:solidFill>
+          <a:schemeClr val="tx1">
+            <a:lumMod val="5000"/>
+            <a:lumOff val="95000"/>
+          </a:schemeClr>
+        </a:solidFill>
+        <a:round/>
+      </a:ln>
+    </cs:spPr>
+  </cs:gridlineMinor>
+  <cs:hiLoLine>
+    <cs:lnRef idx="0"/>
+    <cs:fillRef idx="0"/>
+    <cs:effectRef idx="0"/>
+    <cs:fontRef idx="minor">
+      <a:schemeClr val="tx1"/>
+    </cs:fontRef>
+    <cs:spPr>
+      <a:ln w="9525" cap="flat" cmpd="sng" algn="ctr">
+        <a:solidFill>
+          <a:schemeClr val="tx1">
+            <a:lumMod val="75000"/>
+            <a:lumOff val="25000"/>
+          </a:schemeClr>
+        </a:solidFill>
+        <a:round/>
+      </a:ln>
+    </cs:spPr>
+  </cs:hiLoLine>
+  <cs:leaderLine>
+    <cs:lnRef idx="0"/>
+    <cs:fillRef idx="0"/>
+    <cs:effectRef idx="0"/>
+    <cs:fontRef idx="minor">
+      <a:schemeClr val="tx1"/>
+    </cs:fontRef>
+    <cs:spPr>
+      <a:ln w="9525" cap="flat" cmpd="sng" algn="ctr">
+        <a:solidFill>
+          <a:schemeClr val="tx1">
+            <a:lumMod val="35000"/>
+            <a:lumOff val="65000"/>
+          </a:schemeClr>
+        </a:solidFill>
+        <a:round/>
+      </a:ln>
+    </cs:spPr>
+  </cs:leaderLine>
+  <cs:legend>
+    <cs:lnRef idx="0"/>
+    <cs:fillRef idx="0"/>
+    <cs:effectRef idx="0"/>
+    <cs:fontRef idx="minor">
+      <a:schemeClr val="tx1">
+        <a:lumMod val="65000"/>
+        <a:lumOff val="35000"/>
+      </a:schemeClr>
+    </cs:fontRef>
+    <cs:defRPr sz="1197" kern="1200"/>
+  </cs:legend>
+  <cs:plotArea mods="allowNoFillOverride allowNoLineOverride">
+    <cs:lnRef idx="0"/>
+    <cs:fillRef idx="0"/>
+    <cs:effectRef idx="0"/>
+    <cs:fontRef idx="minor">
+      <a:schemeClr val="tx1"/>
+    </cs:fontRef>
+  </cs:plotArea>
+  <cs:plotArea3D mods="allowNoFillOverride allowNoLineOverride">
+    <cs:lnRef idx="0"/>
+    <cs:fillRef idx="0"/>
+    <cs:effectRef idx="0"/>
+    <cs:fontRef idx="minor">
+      <a:schemeClr val="tx1"/>
+    </cs:fontRef>
+  </cs:plotArea3D>
+  <cs:seriesAxis>
+    <cs:lnRef idx="0"/>
+    <cs:fillRef idx="0"/>
+    <cs:effectRef idx="0"/>
+    <cs:fontRef idx="minor">
+      <a:schemeClr val="tx1">
+        <a:lumMod val="65000"/>
+        <a:lumOff val="35000"/>
+      </a:schemeClr>
+    </cs:fontRef>
+    <cs:defRPr sz="1197" kern="1200"/>
+  </cs:seriesAxis>
+  <cs:seriesLine>
+    <cs:lnRef idx="0"/>
+    <cs:fillRef idx="0"/>
+    <cs:effectRef idx="0"/>
+    <cs:fontRef idx="minor">
+      <a:schemeClr val="tx1"/>
+    </cs:fontRef>
+    <cs:spPr>
+      <a:ln w="9525" cap="flat" cmpd="sng" algn="ctr">
+        <a:solidFill>
+          <a:schemeClr val="tx1">
+            <a:lumMod val="35000"/>
+            <a:lumOff val="65000"/>
+          </a:schemeClr>
+        </a:solidFill>
+        <a:round/>
+      </a:ln>
+    </cs:spPr>
+  </cs:seriesLine>
+  <cs:title>
+    <cs:lnRef idx="0"/>
+    <cs:fillRef idx="0"/>
+    <cs:effectRef idx="0"/>
+    <cs:fontRef idx="minor">
+      <a:schemeClr val="tx1">
+        <a:lumMod val="65000"/>
+        <a:lumOff val="35000"/>
+      </a:schemeClr>
+    </cs:fontRef>
+    <cs:defRPr sz="1862" b="0" kern="1200" spc="0" baseline="0"/>
+  </cs:title>
+  <cs:trendline>
+    <cs:lnRef idx="0">
+      <cs:styleClr val="auto"/>
+    </cs:lnRef>
+    <cs:fillRef idx="0"/>
+    <cs:effectRef idx="0"/>
+    <cs:fontRef idx="minor">
+      <a:schemeClr val="tx1"/>
+    </cs:fontRef>
+    <cs:spPr>
+      <a:ln w="19050" cap="rnd">
+        <a:solidFill>
+          <a:schemeClr val="phClr"/>
+        </a:solidFill>
+        <a:prstDash val="sysDot"/>
+      </a:ln>
+    </cs:spPr>
+  </cs:trendline>
+  <cs:trendlineLabel>
+    <cs:lnRef idx="0"/>
+    <cs:fillRef idx="0"/>
+    <cs:effectRef idx="0"/>
+    <cs:fontRef idx="minor">
+      <a:schemeClr val="tx1">
+        <a:lumMod val="65000"/>
+        <a:lumOff val="35000"/>
+      </a:schemeClr>
+    </cs:fontRef>
+    <cs:defRPr sz="1197" kern="1200"/>
+  </cs:trendlineLabel>
+  <cs:upBar>
+    <cs:lnRef idx="0"/>
+    <cs:fillRef idx="0"/>
+    <cs:effectRef idx="0"/>
+    <cs:fontRef idx="minor">
+      <a:schemeClr val="dk1"/>
+    </cs:fontRef>
+    <cs:spPr>
+      <a:solidFill>
+        <a:schemeClr val="lt1"/>
+      </a:solidFill>
+      <a:ln w="9525">
+        <a:solidFill>
+          <a:schemeClr val="tx1">
+            <a:lumMod val="15000"/>
+            <a:lumOff val="85000"/>
+          </a:schemeClr>
+        </a:solidFill>
+      </a:ln>
+    </cs:spPr>
+  </cs:upBar>
+  <cs:valueAxis>
+    <cs:lnRef idx="0"/>
+    <cs:fillRef idx="0"/>
+    <cs:effectRef idx="0"/>
+    <cs:fontRef idx="minor">
+      <a:schemeClr val="tx1">
+        <a:lumMod val="65000"/>
+        <a:lumOff val="35000"/>
+      </a:schemeClr>
+    </cs:fontRef>
+    <cs:defRPr sz="1197" kern="1200"/>
+  </cs:valueAxis>
+  <cs:wall>
+    <cs:lnRef idx="0"/>
+    <cs:fillRef idx="0"/>
+    <cs:effectRef idx="0"/>
+    <cs:fontRef idx="minor">
+      <a:schemeClr val="tx1"/>
+    </cs:fontRef>
+    <cs:spPr>
+      <a:noFill/>
+      <a:ln>
+        <a:noFill/>
+      </a:ln>
+    </cs:spPr>
+  </cs:wall>
+</cs:chartStyle>
+</file>
+
+<file path=ppt/charts/style2.xml><?xml version="1.0" encoding="utf-8"?>
 <cs:chartStyle xmlns:cs="http://schemas.microsoft.com/office/drawing/2012/chartStyle" xmlns:a="http://schemas.openxmlformats.org/drawingml/2006/main" id="303">
   <cs:axisTitle>
     <cs:lnRef idx="0"/>
@@ -6384,7 +8001,7 @@
                 <a:ea typeface="+mj-ea"/>
                 <a:cs typeface="+mj-cs"/>
               </a:rPr>
-              <a:t>Sessions per Variations and Events</a:t>
+              <a:t>Sessions per Variations and Events </a:t>
             </a:r>
           </a:p>
         </p:txBody>
@@ -6424,7 +8041,7 @@
     </p:spTree>
     <p:extLst>
       <p:ext uri="{BB962C8B-B14F-4D97-AF65-F5344CB8AC3E}">
-        <p14:creationId xmlns:p14="http://schemas.microsoft.com/office/powerpoint/2010/main" val="1899147535"/>
+        <p14:creationId xmlns:p14="http://schemas.microsoft.com/office/powerpoint/2010/main" val="935411280"/>
       </p:ext>
     </p:extLst>
   </p:cSld>
@@ -6560,45 +8177,81 @@
                 <a:ea typeface="+mj-ea"/>
                 <a:cs typeface="+mj-cs"/>
               </a:rPr>
-              <a:t>Sessions per Variations and Visit Type</a:t>
+              <a:t>Sessions per Variations and Events (vacation days)</a:t>
             </a:r>
           </a:p>
         </p:txBody>
       </p:sp>
-      <p:pic>
-        <p:nvPicPr>
-          <p:cNvPr id="7" name="Picture 6">
+      <p:graphicFrame>
+        <p:nvGraphicFramePr>
+          <p:cNvPr id="8" name="Content Placeholder 7">
             <a:extLst>
               <a:ext uri="{FF2B5EF4-FFF2-40B4-BE49-F238E27FC236}">
-                <a16:creationId xmlns:a16="http://schemas.microsoft.com/office/drawing/2014/main" id="{DDD750FE-4495-E194-B06A-739F715AEFEF}"/>
+                <a16:creationId xmlns:a16="http://schemas.microsoft.com/office/drawing/2014/main" id="{EE67242D-8E49-C618-6CAD-E7F37CCB96A9}"/>
               </a:ext>
             </a:extLst>
           </p:cNvPr>
-          <p:cNvPicPr>
-            <a:picLocks noChangeAspect="1"/>
-          </p:cNvPicPr>
+          <p:cNvGraphicFramePr>
+            <a:graphicFrameLocks noGrp="1"/>
+          </p:cNvGraphicFramePr>
+          <p:nvPr>
+            <p:ph idx="1"/>
+            <p:extLst>
+              <p:ext uri="{D42A27DB-BD31-4B8C-83A1-F6EECF244321}">
+                <p14:modId xmlns:p14="http://schemas.microsoft.com/office/powerpoint/2010/main" val="2697425354"/>
+              </p:ext>
+            </p:extLst>
+          </p:nvPr>
+        </p:nvGraphicFramePr>
+        <p:xfrm>
+          <a:off x="838200" y="1825625"/>
+          <a:ext cx="10515600" cy="4351338"/>
+        </p:xfrm>
+        <a:graphic>
+          <a:graphicData uri="http://schemas.openxmlformats.org/drawingml/2006/chart">
+            <c:chart xmlns:c="http://schemas.openxmlformats.org/drawingml/2006/chart" xmlns:r="http://schemas.openxmlformats.org/officeDocument/2006/relationships" r:id="rId2"/>
+          </a:graphicData>
+        </a:graphic>
+      </p:graphicFrame>
+      <p:sp>
+        <p:nvSpPr>
+          <p:cNvPr id="9" name="TextBox 8">
+            <a:extLst>
+              <a:ext uri="{FF2B5EF4-FFF2-40B4-BE49-F238E27FC236}">
+                <a16:creationId xmlns:a16="http://schemas.microsoft.com/office/drawing/2014/main" id="{88983D0B-3F44-03FC-79EC-2BB8341B4B72}"/>
+              </a:ext>
+            </a:extLst>
+          </p:cNvPr>
+          <p:cNvSpPr txBox="1"/>
           <p:nvPr/>
-        </p:nvPicPr>
-        <p:blipFill>
-          <a:blip r:embed="rId2"/>
-          <a:stretch>
-            <a:fillRect/>
-          </a:stretch>
-        </p:blipFill>
+        </p:nvSpPr>
         <p:spPr>
           <a:xfrm>
-            <a:off x="1819563" y="1589806"/>
-            <a:ext cx="9143991" cy="4811925"/>
+            <a:off x="334978" y="6364586"/>
+            <a:ext cx="4046899" cy="276999"/>
           </a:xfrm>
           <a:prstGeom prst="rect">
             <a:avLst/>
           </a:prstGeom>
+          <a:noFill/>
         </p:spPr>
-      </p:pic>
+        <p:txBody>
+          <a:bodyPr wrap="square" rtlCol="0">
+            <a:spAutoFit/>
+          </a:bodyPr>
+          <a:lstStyle/>
+          <a:p>
+            <a:r>
+              <a:rPr lang="en-US" sz="1200" dirty="0"/>
+              <a:t>*The sample is the 5% of total sessions</a:t>
+            </a:r>
+          </a:p>
+        </p:txBody>
+      </p:sp>
     </p:spTree>
     <p:extLst>
       <p:ext uri="{BB962C8B-B14F-4D97-AF65-F5344CB8AC3E}">
-        <p14:creationId xmlns:p14="http://schemas.microsoft.com/office/powerpoint/2010/main" val="2215074060"/>
+        <p14:creationId xmlns:p14="http://schemas.microsoft.com/office/powerpoint/2010/main" val="1899147535"/>
       </p:ext>
     </p:extLst>
   </p:cSld>
@@ -6734,17 +8387,17 @@
                 <a:ea typeface="+mj-ea"/>
                 <a:cs typeface="+mj-cs"/>
               </a:rPr>
-              <a:t>Sessions per Variations and Source</a:t>
+              <a:t>Sessions per Variations and Visit Type</a:t>
             </a:r>
           </a:p>
         </p:txBody>
       </p:sp>
       <p:pic>
         <p:nvPicPr>
-          <p:cNvPr id="4" name="Picture 3">
+          <p:cNvPr id="7" name="Picture 6">
             <a:extLst>
               <a:ext uri="{FF2B5EF4-FFF2-40B4-BE49-F238E27FC236}">
-                <a16:creationId xmlns:a16="http://schemas.microsoft.com/office/drawing/2014/main" id="{2B2620BA-7A23-497C-B5A6-7AB36ED0E88C}"/>
+                <a16:creationId xmlns:a16="http://schemas.microsoft.com/office/drawing/2014/main" id="{DDD750FE-4495-E194-B06A-739F715AEFEF}"/>
               </a:ext>
             </a:extLst>
           </p:cNvPr>
@@ -6761,8 +8414,8 @@
         </p:blipFill>
         <p:spPr>
           <a:xfrm>
-            <a:off x="1505528" y="1412566"/>
-            <a:ext cx="9341401" cy="5278386"/>
+            <a:off x="1819563" y="1589806"/>
+            <a:ext cx="9143991" cy="4811925"/>
           </a:xfrm>
           <a:prstGeom prst="rect">
             <a:avLst/>
@@ -6772,7 +8425,7 @@
     </p:spTree>
     <p:extLst>
       <p:ext uri="{BB962C8B-B14F-4D97-AF65-F5344CB8AC3E}">
-        <p14:creationId xmlns:p14="http://schemas.microsoft.com/office/powerpoint/2010/main" val="2222425760"/>
+        <p14:creationId xmlns:p14="http://schemas.microsoft.com/office/powerpoint/2010/main" val="2215074060"/>
       </p:ext>
     </p:extLst>
   </p:cSld>
@@ -6908,43 +8561,45 @@
                 <a:ea typeface="+mj-ea"/>
                 <a:cs typeface="+mj-cs"/>
               </a:rPr>
-              <a:t>Sessions per Variations and Source and Medium</a:t>
+              <a:t>Sessions per Variations and Source</a:t>
             </a:r>
           </a:p>
         </p:txBody>
       </p:sp>
-      <p:graphicFrame>
-        <p:nvGraphicFramePr>
-          <p:cNvPr id="5" name="Chart 4">
+      <p:pic>
+        <p:nvPicPr>
+          <p:cNvPr id="4" name="Picture 3">
             <a:extLst>
               <a:ext uri="{FF2B5EF4-FFF2-40B4-BE49-F238E27FC236}">
-                <a16:creationId xmlns:a16="http://schemas.microsoft.com/office/drawing/2014/main" id="{D841EC87-AF9A-B766-7F2D-E52E2392DE7F}"/>
+                <a16:creationId xmlns:a16="http://schemas.microsoft.com/office/drawing/2014/main" id="{2B2620BA-7A23-497C-B5A6-7AB36ED0E88C}"/>
               </a:ext>
             </a:extLst>
           </p:cNvPr>
-          <p:cNvGraphicFramePr/>
-          <p:nvPr>
-            <p:extLst>
-              <p:ext uri="{D42A27DB-BD31-4B8C-83A1-F6EECF244321}">
-                <p14:modId xmlns:p14="http://schemas.microsoft.com/office/powerpoint/2010/main" val="1148354943"/>
-              </p:ext>
-            </p:extLst>
-          </p:nvPr>
-        </p:nvGraphicFramePr>
-        <p:xfrm>
-          <a:off x="280658" y="1439501"/>
-          <a:ext cx="11724238" cy="5341545"/>
-        </p:xfrm>
-        <a:graphic>
-          <a:graphicData uri="http://schemas.openxmlformats.org/drawingml/2006/chart">
-            <c:chart xmlns:c="http://schemas.openxmlformats.org/drawingml/2006/chart" xmlns:r="http://schemas.openxmlformats.org/officeDocument/2006/relationships" r:id="rId2"/>
-          </a:graphicData>
-        </a:graphic>
-      </p:graphicFrame>
+          <p:cNvPicPr>
+            <a:picLocks noChangeAspect="1"/>
+          </p:cNvPicPr>
+          <p:nvPr/>
+        </p:nvPicPr>
+        <p:blipFill>
+          <a:blip r:embed="rId2"/>
+          <a:stretch>
+            <a:fillRect/>
+          </a:stretch>
+        </p:blipFill>
+        <p:spPr>
+          <a:xfrm>
+            <a:off x="1505528" y="1412566"/>
+            <a:ext cx="9341401" cy="5278386"/>
+          </a:xfrm>
+          <a:prstGeom prst="rect">
+            <a:avLst/>
+          </a:prstGeom>
+        </p:spPr>
+      </p:pic>
     </p:spTree>
     <p:extLst>
       <p:ext uri="{BB962C8B-B14F-4D97-AF65-F5344CB8AC3E}">
-        <p14:creationId xmlns:p14="http://schemas.microsoft.com/office/powerpoint/2010/main" val="214713373"/>
+        <p14:creationId xmlns:p14="http://schemas.microsoft.com/office/powerpoint/2010/main" val="2222425760"/>
       </p:ext>
     </p:extLst>
   </p:cSld>
@@ -7080,6 +8735,178 @@
                 <a:ea typeface="+mj-ea"/>
                 <a:cs typeface="+mj-cs"/>
               </a:rPr>
+              <a:t>Sessions per Variations and Source and Medium</a:t>
+            </a:r>
+          </a:p>
+        </p:txBody>
+      </p:sp>
+      <p:graphicFrame>
+        <p:nvGraphicFramePr>
+          <p:cNvPr id="5" name="Chart 4">
+            <a:extLst>
+              <a:ext uri="{FF2B5EF4-FFF2-40B4-BE49-F238E27FC236}">
+                <a16:creationId xmlns:a16="http://schemas.microsoft.com/office/drawing/2014/main" id="{D841EC87-AF9A-B766-7F2D-E52E2392DE7F}"/>
+              </a:ext>
+            </a:extLst>
+          </p:cNvPr>
+          <p:cNvGraphicFramePr/>
+          <p:nvPr>
+            <p:extLst>
+              <p:ext uri="{D42A27DB-BD31-4B8C-83A1-F6EECF244321}">
+                <p14:modId xmlns:p14="http://schemas.microsoft.com/office/powerpoint/2010/main" val="1148354943"/>
+              </p:ext>
+            </p:extLst>
+          </p:nvPr>
+        </p:nvGraphicFramePr>
+        <p:xfrm>
+          <a:off x="280658" y="1439501"/>
+          <a:ext cx="11724238" cy="5341545"/>
+        </p:xfrm>
+        <a:graphic>
+          <a:graphicData uri="http://schemas.openxmlformats.org/drawingml/2006/chart">
+            <c:chart xmlns:c="http://schemas.openxmlformats.org/drawingml/2006/chart" xmlns:r="http://schemas.openxmlformats.org/officeDocument/2006/relationships" r:id="rId2"/>
+          </a:graphicData>
+        </a:graphic>
+      </p:graphicFrame>
+    </p:spTree>
+    <p:extLst>
+      <p:ext uri="{BB962C8B-B14F-4D97-AF65-F5344CB8AC3E}">
+        <p14:creationId xmlns:p14="http://schemas.microsoft.com/office/powerpoint/2010/main" val="214713373"/>
+      </p:ext>
+    </p:extLst>
+  </p:cSld>
+  <p:clrMapOvr>
+    <a:masterClrMapping/>
+  </p:clrMapOvr>
+</p:sld>
+</file>
+
+<file path=ppt/slides/slide7.xml><?xml version="1.0" encoding="utf-8"?>
+<p:sld xmlns:a="http://schemas.openxmlformats.org/drawingml/2006/main" xmlns:r="http://schemas.openxmlformats.org/officeDocument/2006/relationships" xmlns:p="http://schemas.openxmlformats.org/presentationml/2006/main">
+  <p:cSld>
+    <p:bg>
+      <p:bgPr>
+        <a:solidFill>
+          <a:schemeClr val="bg1"/>
+        </a:solidFill>
+        <a:effectLst/>
+      </p:bgPr>
+    </p:bg>
+    <p:spTree>
+      <p:nvGrpSpPr>
+        <p:cNvPr id="1" name=""/>
+        <p:cNvGrpSpPr/>
+        <p:nvPr/>
+      </p:nvGrpSpPr>
+      <p:grpSpPr>
+        <a:xfrm>
+          <a:off x="0" y="0"/>
+          <a:ext cx="0" cy="0"/>
+          <a:chOff x="0" y="0"/>
+          <a:chExt cx="0" cy="0"/>
+        </a:xfrm>
+      </p:grpSpPr>
+      <p:sp>
+        <p:nvSpPr>
+          <p:cNvPr id="10" name="Rectangle 9">
+            <a:extLst>
+              <a:ext uri="{FF2B5EF4-FFF2-40B4-BE49-F238E27FC236}">
+                <a16:creationId xmlns:a16="http://schemas.microsoft.com/office/drawing/2014/main" id="{A4AC5506-6312-4701-8D3C-40187889A947}"/>
+              </a:ext>
+              <a:ext uri="{C183D7F6-B498-43B3-948B-1728B52AA6E4}">
+                <adec:decorative xmlns:adec="http://schemas.microsoft.com/office/drawing/2017/decorative" val="1"/>
+              </a:ext>
+            </a:extLst>
+          </p:cNvPr>
+          <p:cNvSpPr>
+            <a:spLocks noGrp="1" noRot="1" noChangeAspect="1" noMove="1" noResize="1" noEditPoints="1" noAdjustHandles="1" noChangeArrowheads="1" noChangeShapeType="1" noTextEdit="1"/>
+          </p:cNvSpPr>
+          <p:nvPr>
+            <p:extLst>
+              <p:ext uri="{386F3935-93C4-4BCD-93E2-E3B085C9AB24}">
+                <p16:designElem xmlns:p16="http://schemas.microsoft.com/office/powerpoint/2015/main" val="1"/>
+              </p:ext>
+            </p:extLst>
+          </p:nvPr>
+        </p:nvSpPr>
+        <p:spPr>
+          <a:xfrm>
+            <a:off x="0" y="651752"/>
+            <a:ext cx="12192000" cy="736551"/>
+          </a:xfrm>
+          <a:prstGeom prst="rect">
+            <a:avLst/>
+          </a:prstGeom>
+          <a:solidFill>
+            <a:schemeClr val="tx1"/>
+          </a:solidFill>
+          <a:ln>
+            <a:noFill/>
+          </a:ln>
+        </p:spPr>
+        <p:style>
+          <a:lnRef idx="2">
+            <a:schemeClr val="accent1">
+              <a:shade val="50000"/>
+            </a:schemeClr>
+          </a:lnRef>
+          <a:fillRef idx="1">
+            <a:schemeClr val="accent1"/>
+          </a:fillRef>
+          <a:effectRef idx="0">
+            <a:schemeClr val="accent1"/>
+          </a:effectRef>
+          <a:fontRef idx="minor">
+            <a:schemeClr val="lt1"/>
+          </a:fontRef>
+        </p:style>
+        <p:txBody>
+          <a:bodyPr rtlCol="0" anchor="ctr"/>
+          <a:lstStyle/>
+          <a:p>
+            <a:pPr algn="ctr"/>
+            <a:endParaRPr lang="en-US"/>
+          </a:p>
+        </p:txBody>
+      </p:sp>
+      <p:sp>
+        <p:nvSpPr>
+          <p:cNvPr id="2" name="Title 1">
+            <a:extLst>
+              <a:ext uri="{FF2B5EF4-FFF2-40B4-BE49-F238E27FC236}">
+                <a16:creationId xmlns:a16="http://schemas.microsoft.com/office/drawing/2014/main" id="{18D2A188-67A3-433E-7187-A7558F06A186}"/>
+              </a:ext>
+            </a:extLst>
+          </p:cNvPr>
+          <p:cNvSpPr>
+            <a:spLocks noGrp="1"/>
+          </p:cNvSpPr>
+          <p:nvPr>
+            <p:ph type="title"/>
+          </p:nvPr>
+        </p:nvSpPr>
+        <p:spPr>
+          <a:xfrm>
+            <a:off x="556532" y="643467"/>
+            <a:ext cx="11210925" cy="744836"/>
+          </a:xfrm>
+        </p:spPr>
+        <p:txBody>
+          <a:bodyPr vert="horz" lIns="91440" tIns="45720" rIns="91440" bIns="45720" rtlCol="0" anchor="ctr">
+            <a:normAutofit/>
+          </a:bodyPr>
+          <a:lstStyle/>
+          <a:p>
+            <a:pPr algn="ctr"/>
+            <a:r>
+              <a:rPr lang="en-US" sz="3200" kern="1200" dirty="0">
+                <a:solidFill>
+                  <a:schemeClr val="bg1"/>
+                </a:solidFill>
+                <a:latin typeface="+mj-lt"/>
+                <a:ea typeface="+mj-ea"/>
+                <a:cs typeface="+mj-cs"/>
+              </a:rPr>
               <a:t>Conclusion</a:t>
             </a:r>
           </a:p>
@@ -7261,7 +9088,7 @@
 </p:sld>
 </file>
 
-<file path=ppt/slides/slide7.xml><?xml version="1.0" encoding="utf-8"?>
+<file path=ppt/slides/slide8.xml><?xml version="1.0" encoding="utf-8"?>
 <p:sld xmlns:a="http://schemas.openxmlformats.org/drawingml/2006/main" xmlns:r="http://schemas.openxmlformats.org/officeDocument/2006/relationships" xmlns:p="http://schemas.openxmlformats.org/presentationml/2006/main">
   <p:cSld>
     <p:bg>
